--- a/Miscellaneous/Arrondissment No1.pptx
+++ b/Miscellaneous/Arrondissment No1.pptx
@@ -11,6 +11,8 @@
     <p:sldId id="259" r:id="rId5"/>
     <p:sldId id="260" r:id="rId6"/>
     <p:sldId id="261" r:id="rId7"/>
+    <p:sldId id="262" r:id="rId8"/>
+    <p:sldId id="263" r:id="rId9"/>
   </p:sldIdLst>
   <p:sldSz cx="9144000" cy="6858000" type="screen4x3"/>
   <p:notesSz cx="6858000" cy="9144000"/>
@@ -293,7 +295,7 @@
           <a:p>
             <a:fld id="{8433B921-6A14-4CD6-AC50-BA7384A0F857}" type="datetimeFigureOut">
               <a:rPr lang="en-US" smtClean="0"/>
-              <a:t>2/15/2012</a:t>
+              <a:t>2/16/2012</a:t>
             </a:fld>
             <a:endParaRPr lang="en-US"/>
           </a:p>
@@ -463,7 +465,7 @@
           <a:p>
             <a:fld id="{8433B921-6A14-4CD6-AC50-BA7384A0F857}" type="datetimeFigureOut">
               <a:rPr lang="en-US" smtClean="0"/>
-              <a:t>2/15/2012</a:t>
+              <a:t>2/16/2012</a:t>
             </a:fld>
             <a:endParaRPr lang="en-US"/>
           </a:p>
@@ -643,7 +645,7 @@
           <a:p>
             <a:fld id="{8433B921-6A14-4CD6-AC50-BA7384A0F857}" type="datetimeFigureOut">
               <a:rPr lang="en-US" smtClean="0"/>
-              <a:t>2/15/2012</a:t>
+              <a:t>2/16/2012</a:t>
             </a:fld>
             <a:endParaRPr lang="en-US"/>
           </a:p>
@@ -813,7 +815,7 @@
           <a:p>
             <a:fld id="{8433B921-6A14-4CD6-AC50-BA7384A0F857}" type="datetimeFigureOut">
               <a:rPr lang="en-US" smtClean="0"/>
-              <a:t>2/15/2012</a:t>
+              <a:t>2/16/2012</a:t>
             </a:fld>
             <a:endParaRPr lang="en-US"/>
           </a:p>
@@ -1059,7 +1061,7 @@
           <a:p>
             <a:fld id="{8433B921-6A14-4CD6-AC50-BA7384A0F857}" type="datetimeFigureOut">
               <a:rPr lang="en-US" smtClean="0"/>
-              <a:t>2/15/2012</a:t>
+              <a:t>2/16/2012</a:t>
             </a:fld>
             <a:endParaRPr lang="en-US"/>
           </a:p>
@@ -1347,7 +1349,7 @@
           <a:p>
             <a:fld id="{8433B921-6A14-4CD6-AC50-BA7384A0F857}" type="datetimeFigureOut">
               <a:rPr lang="en-US" smtClean="0"/>
-              <a:t>2/15/2012</a:t>
+              <a:t>2/16/2012</a:t>
             </a:fld>
             <a:endParaRPr lang="en-US"/>
           </a:p>
@@ -1769,7 +1771,7 @@
           <a:p>
             <a:fld id="{8433B921-6A14-4CD6-AC50-BA7384A0F857}" type="datetimeFigureOut">
               <a:rPr lang="en-US" smtClean="0"/>
-              <a:t>2/15/2012</a:t>
+              <a:t>2/16/2012</a:t>
             </a:fld>
             <a:endParaRPr lang="en-US"/>
           </a:p>
@@ -1887,7 +1889,7 @@
           <a:p>
             <a:fld id="{8433B921-6A14-4CD6-AC50-BA7384A0F857}" type="datetimeFigureOut">
               <a:rPr lang="en-US" smtClean="0"/>
-              <a:t>2/15/2012</a:t>
+              <a:t>2/16/2012</a:t>
             </a:fld>
             <a:endParaRPr lang="en-US"/>
           </a:p>
@@ -1982,7 +1984,7 @@
           <a:p>
             <a:fld id="{8433B921-6A14-4CD6-AC50-BA7384A0F857}" type="datetimeFigureOut">
               <a:rPr lang="en-US" smtClean="0"/>
-              <a:t>2/15/2012</a:t>
+              <a:t>2/16/2012</a:t>
             </a:fld>
             <a:endParaRPr lang="en-US"/>
           </a:p>
@@ -2259,7 +2261,7 @@
           <a:p>
             <a:fld id="{8433B921-6A14-4CD6-AC50-BA7384A0F857}" type="datetimeFigureOut">
               <a:rPr lang="en-US" smtClean="0"/>
-              <a:t>2/15/2012</a:t>
+              <a:t>2/16/2012</a:t>
             </a:fld>
             <a:endParaRPr lang="en-US"/>
           </a:p>
@@ -2512,7 +2514,7 @@
           <a:p>
             <a:fld id="{8433B921-6A14-4CD6-AC50-BA7384A0F857}" type="datetimeFigureOut">
               <a:rPr lang="en-US" smtClean="0"/>
-              <a:t>2/15/2012</a:t>
+              <a:t>2/16/2012</a:t>
             </a:fld>
             <a:endParaRPr lang="en-US"/>
           </a:p>
@@ -2725,7 +2727,7 @@
           <a:p>
             <a:fld id="{8433B921-6A14-4CD6-AC50-BA7384A0F857}" type="datetimeFigureOut">
               <a:rPr lang="en-US" smtClean="0"/>
-              <a:t>2/15/2012</a:t>
+              <a:t>2/16/2012</a:t>
             </a:fld>
             <a:endParaRPr lang="en-US"/>
           </a:p>
@@ -3661,20 +3663,36 @@
               <a:t>Si </a:t>
             </a:r>
             <a:r>
-              <a:rPr lang="en-US" sz="2400" dirty="0" err="1" smtClean="0"/>
-              <a:t>tu</a:t>
+              <a:rPr lang="en-US" sz="2400" dirty="0" err="1" smtClean="0">
+                <a:solidFill>
+                  <a:srgbClr val="00B050"/>
+                </a:solidFill>
+              </a:rPr>
+              <a:t>vous</a:t>
+            </a:r>
+            <a:r>
+              <a:rPr lang="en-US" sz="2400" dirty="0" smtClean="0">
+                <a:solidFill>
+                  <a:srgbClr val="00B050"/>
+                </a:solidFill>
+              </a:rPr>
+              <a:t> </a:t>
+            </a:r>
+            <a:r>
+              <a:rPr lang="en-US" sz="2400" dirty="0" err="1" smtClean="0">
+                <a:solidFill>
+                  <a:srgbClr val="00B050"/>
+                </a:solidFill>
+              </a:rPr>
+              <a:t>habiteriez</a:t>
             </a:r>
             <a:r>
               <a:rPr lang="en-US" sz="2400" dirty="0" smtClean="0"/>
               <a:t> </a:t>
             </a:r>
             <a:r>
-              <a:rPr lang="en-US" sz="2400" dirty="0" err="1" smtClean="0"/>
-              <a:t>habiterais</a:t>
-            </a:r>
-            <a:r>
               <a:rPr lang="en-US" sz="2400" dirty="0" smtClean="0"/>
-              <a:t> a </a:t>
+              <a:t>a </a:t>
             </a:r>
             <a:r>
               <a:rPr lang="en-US" sz="2400" dirty="0" err="1" smtClean="0"/>
@@ -3738,16 +3756,28 @@
           </a:p>
           <a:p>
             <a:r>
-              <a:rPr lang="en-US" sz="2400" dirty="0" err="1" smtClean="0"/>
-              <a:t>Tu</a:t>
-            </a:r>
-            <a:r>
-              <a:rPr lang="en-US" sz="2400" dirty="0"/>
-              <a:t> </a:t>
-            </a:r>
-            <a:r>
-              <a:rPr lang="en-US" sz="2400" dirty="0" err="1" smtClean="0"/>
-              <a:t>pourrais</a:t>
+              <a:rPr lang="en-US" sz="2400" dirty="0" err="1" smtClean="0">
+                <a:solidFill>
+                  <a:srgbClr val="00B050"/>
+                </a:solidFill>
+              </a:rPr>
+              <a:t>Vous</a:t>
+            </a:r>
+            <a:r>
+              <a:rPr lang="en-US" sz="2400" dirty="0" smtClean="0">
+                <a:solidFill>
+                  <a:srgbClr val="00B050"/>
+                </a:solidFill>
+              </a:rPr>
+              <a:t> </a:t>
+            </a:r>
+            <a:r>
+              <a:rPr lang="en-US" sz="2400" dirty="0" err="1" smtClean="0">
+                <a:solidFill>
+                  <a:srgbClr val="00B050"/>
+                </a:solidFill>
+              </a:rPr>
+              <a:t>pourriez</a:t>
             </a:r>
             <a:r>
               <a:rPr lang="en-US" sz="2400" dirty="0" smtClean="0"/>
@@ -4213,20 +4243,36 @@
               <a:t>Si </a:t>
             </a:r>
             <a:r>
-              <a:rPr lang="en-US" dirty="0" err="1" smtClean="0"/>
-              <a:t>tu</a:t>
-            </a:r>
-            <a:r>
-              <a:rPr lang="en-US" dirty="0" smtClean="0"/>
-              <a:t> </a:t>
-            </a:r>
-            <a:r>
-              <a:rPr lang="en-US" dirty="0" err="1" smtClean="0"/>
-              <a:t>habiterais</a:t>
-            </a:r>
-            <a:r>
-              <a:rPr lang="en-US" dirty="0" smtClean="0"/>
-              <a:t> a </a:t>
+              <a:rPr lang="en-US" dirty="0" err="1" smtClean="0">
+                <a:solidFill>
+                  <a:srgbClr val="00B050"/>
+                </a:solidFill>
+              </a:rPr>
+              <a:t>vous</a:t>
+            </a:r>
+            <a:r>
+              <a:rPr lang="en-US" dirty="0" smtClean="0">
+                <a:solidFill>
+                  <a:srgbClr val="00B050"/>
+                </a:solidFill>
+              </a:rPr>
+              <a:t> </a:t>
+            </a:r>
+            <a:r>
+              <a:rPr lang="en-US" dirty="0" err="1" smtClean="0">
+                <a:solidFill>
+                  <a:srgbClr val="00B050"/>
+                </a:solidFill>
+              </a:rPr>
+              <a:t>habiteriez</a:t>
+            </a:r>
+            <a:r>
+              <a:rPr lang="en-US" dirty="0" smtClean="0"/>
+              <a:t> </a:t>
+            </a:r>
+            <a:r>
+              <a:rPr lang="en-US" dirty="0" smtClean="0"/>
+              <a:t>a </a:t>
             </a:r>
             <a:r>
               <a:rPr lang="en-US" dirty="0" err="1" smtClean="0"/>
@@ -4328,7 +4374,19 @@
           <a:bodyPr/>
           <a:lstStyle/>
           <a:p>
-            <a:endParaRPr lang="en-US"/>
+            <a:r>
+              <a:rPr lang="en-US" dirty="0" err="1"/>
+              <a:t>Carré</a:t>
+            </a:r>
+            <a:r>
+              <a:rPr lang="en-US" dirty="0"/>
+              <a:t> des </a:t>
+            </a:r>
+            <a:r>
+              <a:rPr lang="en-US" dirty="0" err="1"/>
+              <a:t>Feuillants</a:t>
+            </a:r>
+            <a:endParaRPr lang="en-US" dirty="0"/>
           </a:p>
         </p:txBody>
       </p:sp>
@@ -4344,10 +4402,234 @@
         </p:nvSpPr>
         <p:spPr/>
         <p:txBody>
-          <a:bodyPr/>
-          <a:lstStyle/>
-          <a:p>
-            <a:endParaRPr lang="en-US"/>
+          <a:bodyPr>
+            <a:normAutofit/>
+          </a:bodyPr>
+          <a:lstStyle/>
+          <a:p>
+            <a:r>
+              <a:rPr lang="en-US" dirty="0" err="1" smtClean="0"/>
+              <a:t>C’est</a:t>
+            </a:r>
+            <a:r>
+              <a:rPr lang="en-US" dirty="0" smtClean="0"/>
+              <a:t> </a:t>
+            </a:r>
+            <a:r>
+              <a:rPr lang="en-US" dirty="0" err="1" smtClean="0"/>
+              <a:t>une</a:t>
+            </a:r>
+            <a:r>
+              <a:rPr lang="en-US" dirty="0" smtClean="0"/>
+              <a:t> restaurant </a:t>
+            </a:r>
+            <a:r>
+              <a:rPr lang="en-US" dirty="0" err="1" smtClean="0"/>
+              <a:t>luxe</a:t>
+            </a:r>
+            <a:r>
+              <a:rPr lang="en-US" dirty="0" smtClean="0"/>
+              <a:t>.</a:t>
+            </a:r>
+          </a:p>
+          <a:p>
+            <a:r>
+              <a:rPr lang="en-US" dirty="0" smtClean="0"/>
+              <a:t>Il </a:t>
+            </a:r>
+            <a:r>
+              <a:rPr lang="en-US" dirty="0" err="1" smtClean="0"/>
+              <a:t>est</a:t>
+            </a:r>
+            <a:r>
+              <a:rPr lang="en-US" dirty="0" smtClean="0"/>
+              <a:t> </a:t>
+            </a:r>
+            <a:r>
+              <a:rPr lang="en-US" dirty="0" err="1" smtClean="0"/>
+              <a:t>prés</a:t>
+            </a:r>
+            <a:r>
+              <a:rPr lang="en-US" dirty="0" smtClean="0"/>
+              <a:t> de </a:t>
+            </a:r>
+            <a:r>
+              <a:rPr lang="en-US" dirty="0" err="1" smtClean="0"/>
+              <a:t>Gardien</a:t>
+            </a:r>
+            <a:r>
+              <a:rPr lang="en-US" dirty="0" smtClean="0"/>
+              <a:t> </a:t>
+            </a:r>
+            <a:r>
+              <a:rPr lang="en-US" dirty="0" err="1" smtClean="0"/>
+              <a:t>Tuileries</a:t>
+            </a:r>
+            <a:r>
+              <a:rPr lang="en-US" dirty="0" smtClean="0"/>
+              <a:t>.</a:t>
+            </a:r>
+            <a:endParaRPr lang="en-US" dirty="0" smtClean="0"/>
+          </a:p>
+          <a:p>
+            <a:r>
+              <a:rPr lang="en-US" dirty="0" smtClean="0"/>
+              <a:t>Si </a:t>
+            </a:r>
+            <a:r>
+              <a:rPr lang="en-US" dirty="0" err="1" smtClean="0">
+                <a:solidFill>
+                  <a:srgbClr val="00B050"/>
+                </a:solidFill>
+              </a:rPr>
+              <a:t>vous</a:t>
+            </a:r>
+            <a:r>
+              <a:rPr lang="en-US" dirty="0" smtClean="0">
+                <a:solidFill>
+                  <a:srgbClr val="00B050"/>
+                </a:solidFill>
+              </a:rPr>
+              <a:t> </a:t>
+            </a:r>
+            <a:r>
+              <a:rPr lang="en-US" dirty="0" err="1" smtClean="0">
+                <a:solidFill>
+                  <a:srgbClr val="00B050"/>
+                </a:solidFill>
+              </a:rPr>
+              <a:t>mangeriez</a:t>
+            </a:r>
+            <a:r>
+              <a:rPr lang="en-US" dirty="0" smtClean="0"/>
+              <a:t> </a:t>
+            </a:r>
+            <a:r>
+              <a:rPr lang="en-US" dirty="0" err="1" smtClean="0"/>
+              <a:t>ici</a:t>
+            </a:r>
+            <a:r>
+              <a:rPr lang="en-US" dirty="0" smtClean="0"/>
+              <a:t>, la carte </a:t>
+            </a:r>
+            <a:r>
+              <a:rPr lang="en-US" dirty="0" err="1" smtClean="0"/>
+              <a:t>comprend</a:t>
+            </a:r>
+            <a:r>
+              <a:rPr lang="en-US" dirty="0" smtClean="0"/>
+              <a:t> de:</a:t>
+            </a:r>
+          </a:p>
+          <a:p>
+            <a:pPr lvl="1"/>
+            <a:r>
+              <a:rPr lang="en-US" dirty="0" smtClean="0">
+                <a:solidFill>
+                  <a:srgbClr val="FFC000"/>
+                </a:solidFill>
+              </a:rPr>
+              <a:t>Hors-</a:t>
+            </a:r>
+            <a:r>
+              <a:rPr lang="en-US" dirty="0" err="1" smtClean="0">
+                <a:solidFill>
+                  <a:srgbClr val="FFC000"/>
+                </a:solidFill>
+              </a:rPr>
+              <a:t>d’oeurve</a:t>
+            </a:r>
+            <a:r>
+              <a:rPr lang="en-US" dirty="0" smtClean="0"/>
+              <a:t>: </a:t>
+            </a:r>
+            <a:r>
+              <a:rPr lang="fr-FR" dirty="0" smtClean="0"/>
+              <a:t>Huitres d’</a:t>
+            </a:r>
+            <a:r>
+              <a:rPr lang="fr-FR" dirty="0" err="1" smtClean="0"/>
+              <a:t>arachon</a:t>
+            </a:r>
+            <a:r>
+              <a:rPr lang="fr-FR" dirty="0" smtClean="0"/>
+              <a:t>, caviar d’Aquitaine et algues marine, ou </a:t>
+            </a:r>
+            <a:r>
+              <a:rPr lang="fr-FR" dirty="0" smtClean="0">
+                <a:solidFill>
+                  <a:srgbClr val="FFC000"/>
+                </a:solidFill>
+              </a:rPr>
+              <a:t>foie gras</a:t>
+            </a:r>
+          </a:p>
+          <a:p>
+            <a:pPr lvl="1"/>
+            <a:r>
+              <a:rPr lang="fr-FR" dirty="0" smtClean="0">
+                <a:solidFill>
+                  <a:srgbClr val="FFC000"/>
+                </a:solidFill>
+              </a:rPr>
+              <a:t>Plat principal</a:t>
+            </a:r>
+            <a:r>
+              <a:rPr lang="fr-FR" dirty="0"/>
+              <a:t>: </a:t>
+            </a:r>
+            <a:r>
+              <a:rPr lang="fr-FR" dirty="0" smtClean="0">
+                <a:solidFill>
+                  <a:srgbClr val="FFC000"/>
+                </a:solidFill>
+              </a:rPr>
+              <a:t>homard</a:t>
+            </a:r>
+            <a:r>
+              <a:rPr lang="fr-FR" dirty="0" smtClean="0"/>
+              <a:t> a </a:t>
+            </a:r>
+            <a:r>
+              <a:rPr lang="fr-FR" dirty="0" smtClean="0">
+                <a:solidFill>
+                  <a:srgbClr val="FFC000"/>
+                </a:solidFill>
+              </a:rPr>
+              <a:t>l’</a:t>
+            </a:r>
+            <a:r>
+              <a:rPr lang="fr-FR" dirty="0" err="1" smtClean="0">
+                <a:solidFill>
+                  <a:srgbClr val="FFC000"/>
+                </a:solidFill>
+              </a:rPr>
+              <a:t>etuvee</a:t>
+            </a:r>
+            <a:r>
+              <a:rPr lang="fr-FR" dirty="0" smtClean="0"/>
+              <a:t> corail </a:t>
+            </a:r>
+            <a:r>
+              <a:rPr lang="fr-FR" dirty="0" err="1" smtClean="0"/>
+              <a:t>cremeux</a:t>
+            </a:r>
+            <a:r>
+              <a:rPr lang="fr-FR" dirty="0" smtClean="0"/>
+              <a:t>, pince en rouleau croustillant, </a:t>
+            </a:r>
+            <a:r>
+              <a:rPr lang="fr-FR" dirty="0" smtClean="0">
+                <a:solidFill>
+                  <a:srgbClr val="FFC000"/>
+                </a:solidFill>
+              </a:rPr>
+              <a:t>fines herbes</a:t>
+            </a:r>
+            <a:r>
+              <a:rPr lang="fr-FR" dirty="0" smtClean="0"/>
+              <a:t>.</a:t>
+            </a:r>
           </a:p>
         </p:txBody>
       </p:sp>
@@ -4355,6 +4637,504 @@
     <p:extLst>
       <p:ext uri="{BB962C8B-B14F-4D97-AF65-F5344CB8AC3E}">
         <p14:creationId xmlns:p14="http://schemas.microsoft.com/office/powerpoint/2010/main" val="3684550637"/>
+      </p:ext>
+    </p:extLst>
+  </p:cSld>
+  <p:clrMapOvr>
+    <a:masterClrMapping/>
+  </p:clrMapOvr>
+</p:sld>
+</file>
+
+<file path=ppt/slides/slide7.xml><?xml version="1.0" encoding="utf-8"?>
+<p:sld xmlns:a="http://schemas.openxmlformats.org/drawingml/2006/main" xmlns:r="http://schemas.openxmlformats.org/officeDocument/2006/relationships" xmlns:p="http://schemas.openxmlformats.org/presentationml/2006/main">
+  <p:cSld>
+    <p:spTree>
+      <p:nvGrpSpPr>
+        <p:cNvPr id="1" name=""/>
+        <p:cNvGrpSpPr/>
+        <p:nvPr/>
+      </p:nvGrpSpPr>
+      <p:grpSpPr>
+        <a:xfrm>
+          <a:off x="0" y="0"/>
+          <a:ext cx="0" cy="0"/>
+          <a:chOff x="0" y="0"/>
+          <a:chExt cx="0" cy="0"/>
+        </a:xfrm>
+      </p:grpSpPr>
+      <p:sp>
+        <p:nvSpPr>
+          <p:cNvPr id="2" name="Title 1"/>
+          <p:cNvSpPr>
+            <a:spLocks noGrp="1"/>
+          </p:cNvSpPr>
+          <p:nvPr>
+            <p:ph type="title"/>
+          </p:nvPr>
+        </p:nvSpPr>
+        <p:spPr/>
+        <p:txBody>
+          <a:bodyPr/>
+          <a:lstStyle/>
+          <a:p>
+            <a:r>
+              <a:rPr lang="en-US" dirty="0" smtClean="0"/>
+              <a:t>Café </a:t>
+            </a:r>
+            <a:r>
+              <a:rPr lang="en-US" dirty="0" err="1" smtClean="0"/>
+              <a:t>Renard</a:t>
+            </a:r>
+            <a:endParaRPr lang="en-US" dirty="0"/>
+          </a:p>
+        </p:txBody>
+      </p:sp>
+      <p:sp>
+        <p:nvSpPr>
+          <p:cNvPr id="3" name="Content Placeholder 2"/>
+          <p:cNvSpPr>
+            <a:spLocks noGrp="1"/>
+          </p:cNvSpPr>
+          <p:nvPr>
+            <p:ph idx="1"/>
+          </p:nvPr>
+        </p:nvSpPr>
+        <p:spPr/>
+        <p:txBody>
+          <a:bodyPr/>
+          <a:lstStyle/>
+          <a:p>
+            <a:r>
+              <a:rPr lang="en-US" dirty="0" smtClean="0"/>
+              <a:t>Il </a:t>
+            </a:r>
+            <a:r>
+              <a:rPr lang="en-US" dirty="0" err="1" smtClean="0"/>
+              <a:t>est</a:t>
+            </a:r>
+            <a:r>
+              <a:rPr lang="en-US" dirty="0" smtClean="0"/>
+              <a:t> entre le </a:t>
+            </a:r>
+            <a:r>
+              <a:rPr lang="en-US" dirty="0" err="1" smtClean="0"/>
+              <a:t>Gardin</a:t>
+            </a:r>
+            <a:r>
+              <a:rPr lang="en-US" dirty="0" smtClean="0"/>
+              <a:t> </a:t>
+            </a:r>
+            <a:r>
+              <a:rPr lang="en-US" dirty="0" err="1" smtClean="0"/>
+              <a:t>Tuileries</a:t>
+            </a:r>
+            <a:r>
+              <a:rPr lang="en-US" dirty="0" smtClean="0"/>
+              <a:t>.</a:t>
+            </a:r>
+          </a:p>
+          <a:p>
+            <a:r>
+              <a:rPr lang="en-US" dirty="0" smtClean="0"/>
+              <a:t>Café </a:t>
+            </a:r>
+            <a:r>
+              <a:rPr lang="en-US" dirty="0" err="1" smtClean="0"/>
+              <a:t>Renard</a:t>
+            </a:r>
+            <a:r>
+              <a:rPr lang="en-US" dirty="0" smtClean="0"/>
+              <a:t> </a:t>
+            </a:r>
+            <a:r>
+              <a:rPr lang="en-US" dirty="0" err="1" smtClean="0"/>
+              <a:t>est</a:t>
+            </a:r>
+            <a:r>
+              <a:rPr lang="en-US" dirty="0" smtClean="0"/>
+              <a:t> </a:t>
+            </a:r>
+            <a:r>
+              <a:rPr lang="en-US" dirty="0" err="1" smtClean="0"/>
+              <a:t>moins</a:t>
+            </a:r>
+            <a:r>
+              <a:rPr lang="en-US" dirty="0" smtClean="0"/>
+              <a:t> </a:t>
+            </a:r>
+            <a:r>
+              <a:rPr lang="en-US" dirty="0" err="1" smtClean="0"/>
+              <a:t>d’argent</a:t>
+            </a:r>
+            <a:r>
+              <a:rPr lang="en-US" dirty="0" smtClean="0"/>
+              <a:t> de </a:t>
+            </a:r>
+            <a:r>
+              <a:rPr lang="en-US" dirty="0" err="1" smtClean="0"/>
+              <a:t>Carré</a:t>
+            </a:r>
+            <a:r>
+              <a:rPr lang="en-US" dirty="0" smtClean="0"/>
+              <a:t> des </a:t>
+            </a:r>
+            <a:r>
+              <a:rPr lang="en-US" dirty="0" err="1" smtClean="0"/>
+              <a:t>Feuillants</a:t>
+            </a:r>
+            <a:r>
+              <a:rPr lang="en-US" dirty="0"/>
+              <a:t> </a:t>
+            </a:r>
+            <a:r>
+              <a:rPr lang="en-US" dirty="0" err="1" smtClean="0"/>
+              <a:t>mais</a:t>
+            </a:r>
+            <a:r>
+              <a:rPr lang="en-US" dirty="0" smtClean="0"/>
+              <a:t> la cuisine </a:t>
+            </a:r>
+            <a:r>
+              <a:rPr lang="en-US" dirty="0" err="1" smtClean="0"/>
+              <a:t>c’est</a:t>
+            </a:r>
+            <a:r>
+              <a:rPr lang="en-US" dirty="0" smtClean="0"/>
+              <a:t> </a:t>
+            </a:r>
+            <a:r>
+              <a:rPr lang="en-US" dirty="0" err="1" smtClean="0"/>
+              <a:t>trés</a:t>
+            </a:r>
+            <a:r>
+              <a:rPr lang="en-US" dirty="0" smtClean="0"/>
+              <a:t> </a:t>
+            </a:r>
+            <a:r>
+              <a:rPr lang="en-US" dirty="0" err="1" smtClean="0"/>
+              <a:t>delicioux</a:t>
+            </a:r>
+            <a:r>
+              <a:rPr lang="en-US" dirty="0" smtClean="0"/>
+              <a:t>.</a:t>
+            </a:r>
+          </a:p>
+          <a:p>
+            <a:r>
+              <a:rPr lang="en-US" dirty="0" err="1" smtClean="0"/>
+              <a:t>Ils</a:t>
+            </a:r>
+            <a:r>
+              <a:rPr lang="en-US" dirty="0" smtClean="0"/>
+              <a:t> </a:t>
+            </a:r>
+            <a:r>
+              <a:rPr lang="en-US" dirty="0" err="1" smtClean="0"/>
+              <a:t>ont</a:t>
+            </a:r>
+            <a:r>
+              <a:rPr lang="en-US" dirty="0" smtClean="0"/>
+              <a:t> le </a:t>
+            </a:r>
+            <a:r>
+              <a:rPr lang="en-US" dirty="0" err="1" smtClean="0">
+                <a:solidFill>
+                  <a:srgbClr val="FFC000"/>
+                </a:solidFill>
+              </a:rPr>
+              <a:t>salade</a:t>
+            </a:r>
+            <a:r>
+              <a:rPr lang="en-US" dirty="0" smtClean="0">
+                <a:solidFill>
+                  <a:srgbClr val="FFC000"/>
+                </a:solidFill>
+              </a:rPr>
+              <a:t> </a:t>
+            </a:r>
+            <a:r>
+              <a:rPr lang="en-US" dirty="0" err="1" smtClean="0">
+                <a:solidFill>
+                  <a:srgbClr val="FFC000"/>
+                </a:solidFill>
+              </a:rPr>
+              <a:t>verte</a:t>
+            </a:r>
+            <a:r>
+              <a:rPr lang="en-US" dirty="0" smtClean="0"/>
+              <a:t>, </a:t>
+            </a:r>
+            <a:r>
+              <a:rPr lang="en-US" dirty="0" err="1" smtClean="0"/>
+              <a:t>ou</a:t>
+            </a:r>
+            <a:r>
+              <a:rPr lang="en-US" dirty="0" smtClean="0"/>
+              <a:t> </a:t>
+            </a:r>
+            <a:r>
+              <a:rPr lang="en-US" dirty="0" err="1" smtClean="0">
+                <a:solidFill>
+                  <a:srgbClr val="FFC000"/>
+                </a:solidFill>
+              </a:rPr>
+              <a:t>salade</a:t>
+            </a:r>
+            <a:r>
+              <a:rPr lang="en-US" dirty="0" smtClean="0">
+                <a:solidFill>
+                  <a:srgbClr val="FFC000"/>
+                </a:solidFill>
+              </a:rPr>
+              <a:t> </a:t>
+            </a:r>
+            <a:r>
+              <a:rPr lang="en-US" dirty="0" err="1" smtClean="0">
+                <a:solidFill>
+                  <a:srgbClr val="FFC000"/>
+                </a:solidFill>
+              </a:rPr>
+              <a:t>niçoise</a:t>
+            </a:r>
+            <a:r>
+              <a:rPr lang="en-US" dirty="0" smtClean="0"/>
+              <a:t>.</a:t>
+            </a:r>
+          </a:p>
+          <a:p>
+            <a:r>
+              <a:rPr lang="en-US" dirty="0" smtClean="0"/>
+              <a:t>Pour plat principal, </a:t>
+            </a:r>
+            <a:r>
+              <a:rPr lang="en-US" dirty="0" err="1" smtClean="0"/>
+              <a:t>ils</a:t>
+            </a:r>
+            <a:r>
+              <a:rPr lang="en-US" dirty="0" smtClean="0"/>
+              <a:t> </a:t>
+            </a:r>
+            <a:r>
+              <a:rPr lang="en-US" dirty="0" err="1" smtClean="0"/>
+              <a:t>ont</a:t>
+            </a:r>
+            <a:r>
+              <a:rPr lang="en-US" dirty="0" smtClean="0"/>
+              <a:t> le filet de </a:t>
+            </a:r>
+            <a:r>
+              <a:rPr lang="en-US" dirty="0" smtClean="0">
+                <a:solidFill>
+                  <a:srgbClr val="FFC000"/>
+                </a:solidFill>
+              </a:rPr>
+              <a:t>boeuf</a:t>
+            </a:r>
+            <a:r>
+              <a:rPr lang="en-US" dirty="0" smtClean="0"/>
+              <a:t> au </a:t>
+            </a:r>
+            <a:r>
+              <a:rPr lang="en-US" dirty="0" err="1" smtClean="0"/>
+              <a:t>poivre</a:t>
+            </a:r>
+            <a:r>
+              <a:rPr lang="en-US" dirty="0"/>
+              <a:t> </a:t>
+            </a:r>
+            <a:r>
+              <a:rPr lang="en-US" dirty="0" err="1" smtClean="0"/>
+              <a:t>vert</a:t>
+            </a:r>
+            <a:r>
+              <a:rPr lang="en-US" dirty="0"/>
+              <a:t> </a:t>
+            </a:r>
+            <a:r>
+              <a:rPr lang="en-US" dirty="0" smtClean="0"/>
+              <a:t>et frites, </a:t>
+            </a:r>
+            <a:r>
+              <a:rPr lang="en-US" dirty="0" err="1" smtClean="0"/>
+              <a:t>ou</a:t>
+            </a:r>
+            <a:r>
+              <a:rPr lang="en-US" dirty="0" smtClean="0"/>
+              <a:t> </a:t>
+            </a:r>
+            <a:r>
+              <a:rPr lang="en-US" dirty="0" smtClean="0">
+                <a:solidFill>
+                  <a:srgbClr val="FFC000"/>
+                </a:solidFill>
+              </a:rPr>
+              <a:t>entrecote </a:t>
+            </a:r>
+            <a:r>
+              <a:rPr lang="en-US" dirty="0" err="1" smtClean="0">
+                <a:solidFill>
+                  <a:srgbClr val="FFC000"/>
+                </a:solidFill>
+              </a:rPr>
+              <a:t>grill</a:t>
+            </a:r>
+            <a:r>
+              <a:rPr lang="en-US" dirty="0" err="1">
+                <a:solidFill>
+                  <a:srgbClr val="FFC000"/>
+                </a:solidFill>
+              </a:rPr>
+              <a:t>é</a:t>
+            </a:r>
+            <a:r>
+              <a:rPr lang="en-US" dirty="0" err="1" smtClean="0">
+                <a:solidFill>
+                  <a:srgbClr val="FFC000"/>
+                </a:solidFill>
+              </a:rPr>
+              <a:t>e</a:t>
+            </a:r>
+            <a:r>
+              <a:rPr lang="en-US" dirty="0" smtClean="0"/>
+              <a:t> </a:t>
+            </a:r>
+            <a:r>
+              <a:rPr lang="en-US" dirty="0" err="1" smtClean="0"/>
+              <a:t>ou</a:t>
+            </a:r>
+            <a:r>
+              <a:rPr lang="en-US" dirty="0" smtClean="0"/>
+              <a:t> béarnaise et frites.</a:t>
+            </a:r>
+            <a:endParaRPr lang="en-US" dirty="0"/>
+          </a:p>
+        </p:txBody>
+      </p:sp>
+    </p:spTree>
+    <p:extLst>
+      <p:ext uri="{BB962C8B-B14F-4D97-AF65-F5344CB8AC3E}">
+        <p14:creationId xmlns:p14="http://schemas.microsoft.com/office/powerpoint/2010/main" val="473424779"/>
+      </p:ext>
+    </p:extLst>
+  </p:cSld>
+  <p:clrMapOvr>
+    <a:masterClrMapping/>
+  </p:clrMapOvr>
+</p:sld>
+</file>
+
+<file path=ppt/slides/slide8.xml><?xml version="1.0" encoding="utf-8"?>
+<p:sld xmlns:a="http://schemas.openxmlformats.org/drawingml/2006/main" xmlns:r="http://schemas.openxmlformats.org/officeDocument/2006/relationships" xmlns:p="http://schemas.openxmlformats.org/presentationml/2006/main">
+  <p:cSld>
+    <p:spTree>
+      <p:nvGrpSpPr>
+        <p:cNvPr id="1" name=""/>
+        <p:cNvGrpSpPr/>
+        <p:nvPr/>
+      </p:nvGrpSpPr>
+      <p:grpSpPr>
+        <a:xfrm>
+          <a:off x="0" y="0"/>
+          <a:ext cx="0" cy="0"/>
+          <a:chOff x="0" y="0"/>
+          <a:chExt cx="0" cy="0"/>
+        </a:xfrm>
+      </p:grpSpPr>
+      <p:sp>
+        <p:nvSpPr>
+          <p:cNvPr id="2" name="Title 1"/>
+          <p:cNvSpPr>
+            <a:spLocks noGrp="1"/>
+          </p:cNvSpPr>
+          <p:nvPr>
+            <p:ph type="title"/>
+          </p:nvPr>
+        </p:nvSpPr>
+        <p:spPr/>
+        <p:txBody>
+          <a:bodyPr/>
+          <a:lstStyle/>
+          <a:p>
+            <a:r>
+              <a:rPr lang="en-US" dirty="0" smtClean="0"/>
+              <a:t>Le </a:t>
+            </a:r>
+            <a:r>
+              <a:rPr lang="en-US" dirty="0" err="1" smtClean="0"/>
+              <a:t>M</a:t>
+            </a:r>
+            <a:r>
+              <a:rPr lang="en-US" dirty="0" err="1"/>
+              <a:t>é</a:t>
+            </a:r>
+            <a:r>
+              <a:rPr lang="en-US" dirty="0" err="1" smtClean="0"/>
+              <a:t>tro</a:t>
+            </a:r>
+            <a:endParaRPr lang="en-US" dirty="0"/>
+          </a:p>
+        </p:txBody>
+      </p:sp>
+      <p:sp>
+        <p:nvSpPr>
+          <p:cNvPr id="3" name="Content Placeholder 2"/>
+          <p:cNvSpPr>
+            <a:spLocks noGrp="1"/>
+          </p:cNvSpPr>
+          <p:nvPr>
+            <p:ph idx="1"/>
+          </p:nvPr>
+        </p:nvSpPr>
+        <p:spPr/>
+        <p:txBody>
+          <a:bodyPr/>
+          <a:lstStyle/>
+          <a:p>
+            <a:r>
+              <a:rPr lang="en-US" dirty="0" smtClean="0"/>
+              <a:t>Si </a:t>
+            </a:r>
+            <a:r>
+              <a:rPr lang="en-US" dirty="0" err="1" smtClean="0"/>
+              <a:t>vous</a:t>
+            </a:r>
+            <a:r>
+              <a:rPr lang="en-US" dirty="0" smtClean="0"/>
+              <a:t> </a:t>
+            </a:r>
+            <a:r>
+              <a:rPr lang="en-US" dirty="0" err="1" smtClean="0"/>
+              <a:t>essayiez</a:t>
+            </a:r>
+            <a:r>
+              <a:rPr lang="en-US" dirty="0" smtClean="0"/>
+              <a:t> line 1 a </a:t>
+            </a:r>
+            <a:r>
+              <a:rPr lang="en-US" dirty="0" err="1" smtClean="0"/>
+              <a:t>partir</a:t>
+            </a:r>
+            <a:r>
+              <a:rPr lang="en-US" dirty="0" smtClean="0"/>
+              <a:t> de </a:t>
+            </a:r>
+            <a:r>
+              <a:rPr lang="en-US" dirty="0" err="1" smtClean="0"/>
+              <a:t>l’aeroport</a:t>
+            </a:r>
+            <a:r>
+              <a:rPr lang="en-US" smtClean="0"/>
+              <a:t>.</a:t>
+            </a:r>
+            <a:endParaRPr lang="en-US" dirty="0"/>
+          </a:p>
+        </p:txBody>
+      </p:sp>
+    </p:spTree>
+    <p:extLst>
+      <p:ext uri="{BB962C8B-B14F-4D97-AF65-F5344CB8AC3E}">
+        <p14:creationId xmlns:p14="http://schemas.microsoft.com/office/powerpoint/2010/main" val="2548753336"/>
       </p:ext>
     </p:extLst>
   </p:cSld>
